--- a/Workshop PPT/HTML CSS Workshop #1.pptx
+++ b/Workshop PPT/HTML CSS Workshop #1.pptx
@@ -14828,6 +14828,236 @@
                 <a:latin typeface="Consolas"/>
                 <a:cs typeface="Consolas"/>
               </a:rPr>
+              <a:t>/www</a:t>
+            </a:r>
+            <a:r>
+              <a:rPr sz="1800" dirty="0">
+                <a:solidFill>
+                  <a:srgbClr val="CE9178"/>
+                </a:solidFill>
+                <a:latin typeface="Consolas"/>
+                <a:cs typeface="Consolas"/>
+              </a:rPr>
+              <a:t>.</a:t>
+            </a:r>
+            <a:r>
+              <a:rPr sz="1800" spc="-5" dirty="0">
+                <a:solidFill>
+                  <a:srgbClr val="CE9178"/>
+                </a:solidFill>
+                <a:latin typeface="Consolas"/>
+                <a:cs typeface="Consolas"/>
+              </a:rPr>
+              <a:t>go</a:t>
+            </a:r>
+            <a:r>
+              <a:rPr sz="1800" dirty="0">
+                <a:solidFill>
+                  <a:srgbClr val="CE9178"/>
+                </a:solidFill>
+                <a:latin typeface="Consolas"/>
+                <a:cs typeface="Consolas"/>
+              </a:rPr>
+              <a:t>o</a:t>
+            </a:r>
+            <a:r>
+              <a:rPr sz="1800" spc="-5" dirty="0">
+                <a:solidFill>
+                  <a:srgbClr val="CE9178"/>
+                </a:solidFill>
+                <a:latin typeface="Consolas"/>
+                <a:cs typeface="Consolas"/>
+              </a:rPr>
+              <a:t>gle</a:t>
+            </a:r>
+            <a:r>
+              <a:rPr sz="1800" dirty="0">
+                <a:solidFill>
+                  <a:srgbClr val="CE9178"/>
+                </a:solidFill>
+                <a:latin typeface="Consolas"/>
+                <a:cs typeface="Consolas"/>
+              </a:rPr>
+              <a:t>.</a:t>
+            </a:r>
+            <a:r>
+              <a:rPr sz="1800" spc="-5" dirty="0">
+                <a:solidFill>
+                  <a:srgbClr val="CE9178"/>
+                </a:solidFill>
+                <a:latin typeface="Consolas"/>
+                <a:cs typeface="Consolas"/>
+              </a:rPr>
+              <a:t>com.</a:t>
+            </a:r>
+            <a:r>
+              <a:rPr sz="1800" dirty="0">
+                <a:solidFill>
+                  <a:srgbClr val="CE9178"/>
+                </a:solidFill>
+                <a:latin typeface="Consolas"/>
+                <a:cs typeface="Consolas"/>
+              </a:rPr>
+              <a:t>a</a:t>
+            </a:r>
+            <a:r>
+              <a:rPr sz="1800" spc="-5" dirty="0">
+                <a:solidFill>
+                  <a:srgbClr val="CE9178"/>
+                </a:solidFill>
+                <a:latin typeface="Consolas"/>
+                <a:cs typeface="Consolas"/>
+              </a:rPr>
+              <a:t>u/</a:t>
+            </a:r>
+            <a:r>
+              <a:rPr sz="1800" dirty="0">
+                <a:solidFill>
+                  <a:srgbClr val="CE9178"/>
+                </a:solidFill>
+                <a:latin typeface="Consolas"/>
+                <a:cs typeface="Consolas"/>
+              </a:rPr>
+              <a:t>i</a:t>
+            </a:r>
+            <a:r>
+              <a:rPr sz="1800" spc="-5" dirty="0">
+                <a:solidFill>
+                  <a:srgbClr val="CE9178"/>
+                </a:solidFill>
+                <a:latin typeface="Consolas"/>
+                <a:cs typeface="Consolas"/>
+              </a:rPr>
+              <a:t>mag</a:t>
+            </a:r>
+            <a:r>
+              <a:rPr sz="1800" dirty="0">
+                <a:solidFill>
+                  <a:srgbClr val="CE9178"/>
+                </a:solidFill>
+                <a:latin typeface="Consolas"/>
+                <a:cs typeface="Consolas"/>
+              </a:rPr>
+              <a:t>e</a:t>
+            </a:r>
+            <a:r>
+              <a:rPr sz="1800" spc="-5" dirty="0">
+                <a:solidFill>
+                  <a:srgbClr val="CE9178"/>
+                </a:solidFill>
+                <a:latin typeface="Consolas"/>
+                <a:cs typeface="Consolas"/>
+              </a:rPr>
+              <a:t>s</a:t>
+            </a:r>
+            <a:r>
+              <a:rPr sz="1800" dirty="0">
+                <a:solidFill>
+                  <a:srgbClr val="CE9178"/>
+                </a:solidFill>
+                <a:latin typeface="Consolas"/>
+                <a:cs typeface="Consolas"/>
+              </a:rPr>
+              <a:t>/  </a:t>
+            </a:r>
+            <a:r>
+              <a:rPr sz="1800" spc="-5" dirty="0">
+                <a:solidFill>
+                  <a:srgbClr val="CE9178"/>
+                </a:solidFill>
+                <a:latin typeface="Consolas"/>
+                <a:cs typeface="Consolas"/>
+              </a:rPr>
+              <a:t>bran</a:t>
+            </a:r>
+            <a:r>
+              <a:rPr sz="1800" dirty="0">
+                <a:solidFill>
+                  <a:srgbClr val="CE9178"/>
+                </a:solidFill>
+                <a:latin typeface="Consolas"/>
+                <a:cs typeface="Consolas"/>
+              </a:rPr>
+              <a:t>d</a:t>
+            </a:r>
+            <a:r>
+              <a:rPr sz="1800" spc="-5" dirty="0">
+                <a:solidFill>
+                  <a:srgbClr val="CE9178"/>
+                </a:solidFill>
+                <a:latin typeface="Consolas"/>
+                <a:cs typeface="Consolas"/>
+              </a:rPr>
+              <a:t>in</a:t>
+            </a:r>
+            <a:r>
+              <a:rPr sz="1800" dirty="0">
+                <a:solidFill>
+                  <a:srgbClr val="CE9178"/>
+                </a:solidFill>
+                <a:latin typeface="Consolas"/>
+                <a:cs typeface="Consolas"/>
+              </a:rPr>
+              <a:t>g</a:t>
+            </a:r>
+            <a:r>
+              <a:rPr sz="1800" spc="-5" dirty="0">
+                <a:solidFill>
+                  <a:srgbClr val="CE9178"/>
+                </a:solidFill>
+                <a:latin typeface="Consolas"/>
+                <a:cs typeface="Consolas"/>
+              </a:rPr>
+              <a:t>/go</a:t>
+            </a:r>
+            <a:r>
+              <a:rPr sz="1800" dirty="0">
+                <a:solidFill>
+                  <a:srgbClr val="CE9178"/>
+                </a:solidFill>
+                <a:latin typeface="Consolas"/>
+                <a:cs typeface="Consolas"/>
+              </a:rPr>
+              <a:t>o</a:t>
+            </a:r>
+            <a:r>
+              <a:rPr sz="1800" spc="-5" dirty="0">
+                <a:solidFill>
+                  <a:srgbClr val="CE9178"/>
+                </a:solidFill>
+                <a:latin typeface="Consolas"/>
+                <a:cs typeface="Consolas"/>
+              </a:rPr>
+              <a:t>glel</a:t>
+            </a:r>
+            <a:r>
+              <a:rPr sz="1800" dirty="0">
+                <a:solidFill>
+                  <a:srgbClr val="CE9178"/>
+                </a:solidFill>
+                <a:latin typeface="Consolas"/>
+                <a:cs typeface="Consolas"/>
+              </a:rPr>
+              <a:t>o</a:t>
+            </a:r>
+            <a:r>
+              <a:rPr sz="1800" spc="-5" dirty="0">
+                <a:solidFill>
+                  <a:srgbClr val="CE9178"/>
+                </a:solidFill>
+                <a:latin typeface="Consolas"/>
+                <a:cs typeface="Consolas"/>
+              </a:rPr>
+              <a:t>go</a:t>
+            </a:r>
+            <a:r>
+              <a:rPr sz="1800" dirty="0">
+                <a:solidFill>
+                  <a:srgbClr val="CE9178"/>
+                </a:solidFill>
+                <a:latin typeface="Consolas"/>
+                <a:cs typeface="Consolas"/>
+              </a:rPr>
               <a:t>/</a:t>
             </a:r>
             <a:r>
@@ -14837,9 +15067,8 @@
                 </a:solidFill>
                 <a:latin typeface="Consolas"/>
                 <a:cs typeface="Consolas"/>
-                <a:hlinkClick r:id="rId2"/>
-              </a:rPr>
-              <a:t>www</a:t>
+              </a:rPr>
+              <a:t>1x/</a:t>
             </a:r>
             <a:r>
               <a:rPr sz="1800" dirty="0">
@@ -14848,9 +15077,8 @@
                 </a:solidFill>
                 <a:latin typeface="Consolas"/>
                 <a:cs typeface="Consolas"/>
-                <a:hlinkClick r:id="rId2"/>
-              </a:rPr>
-              <a:t>.</a:t>
+              </a:rPr>
+              <a:t>g</a:t>
             </a:r>
             <a:r>
               <a:rPr sz="1800" spc="-5" dirty="0">
@@ -14859,9 +15087,8 @@
                 </a:solidFill>
                 <a:latin typeface="Consolas"/>
                 <a:cs typeface="Consolas"/>
-                <a:hlinkClick r:id="rId2"/>
-              </a:rPr>
-              <a:t>go</a:t>
+              </a:rPr>
+              <a:t>oogl</a:t>
             </a:r>
             <a:r>
               <a:rPr sz="1800" dirty="0">
@@ -14870,7 +15097,46 @@
                 </a:solidFill>
                 <a:latin typeface="Consolas"/>
                 <a:cs typeface="Consolas"/>
-                <a:hlinkClick r:id="rId2"/>
+              </a:rPr>
+              <a:t>e</a:t>
+            </a:r>
+            <a:r>
+              <a:rPr sz="1800" spc="-5" dirty="0">
+                <a:solidFill>
+                  <a:srgbClr val="CE9178"/>
+                </a:solidFill>
+                <a:latin typeface="Consolas"/>
+                <a:cs typeface="Consolas"/>
+              </a:rPr>
+              <a:t>lo</a:t>
+            </a:r>
+            <a:r>
+              <a:rPr sz="1800" dirty="0">
+                <a:solidFill>
+                  <a:srgbClr val="CE9178"/>
+                </a:solidFill>
+                <a:latin typeface="Consolas"/>
+                <a:cs typeface="Consolas"/>
+              </a:rPr>
+              <a:t>g</a:t>
+            </a:r>
+            <a:r>
+              <a:rPr sz="1800" spc="-5" dirty="0">
+                <a:solidFill>
+                  <a:srgbClr val="CE9178"/>
+                </a:solidFill>
+                <a:latin typeface="Consolas"/>
+                <a:cs typeface="Consolas"/>
+              </a:rPr>
+              <a:t>o_c</a:t>
+            </a:r>
+            <a:r>
+              <a:rPr sz="1800" dirty="0">
+                <a:solidFill>
+                  <a:srgbClr val="CE9178"/>
+                </a:solidFill>
+                <a:latin typeface="Consolas"/>
+                <a:cs typeface="Consolas"/>
               </a:rPr>
               <a:t>o</a:t>
             </a:r>
@@ -14881,9 +15147,8 @@
                 </a:solidFill>
                 <a:latin typeface="Consolas"/>
                 <a:cs typeface="Consolas"/>
-                <a:hlinkClick r:id="rId2"/>
-              </a:rPr>
-              <a:t>gle</a:t>
+              </a:rPr>
+              <a:t>l</a:t>
             </a:r>
             <a:r>
               <a:rPr sz="1800" dirty="0">
@@ -14892,9 +15157,8 @@
                 </a:solidFill>
                 <a:latin typeface="Consolas"/>
                 <a:cs typeface="Consolas"/>
-                <a:hlinkClick r:id="rId2"/>
-              </a:rPr>
-              <a:t>.</a:t>
+              </a:rPr>
+              <a:t>o  </a:t>
             </a:r>
             <a:r>
               <a:rPr sz="1800" spc="-5" dirty="0">
@@ -14903,310 +15167,12 @@
                 </a:solidFill>
                 <a:latin typeface="Consolas"/>
                 <a:cs typeface="Consolas"/>
-                <a:hlinkClick r:id="rId2"/>
-              </a:rPr>
-              <a:t>com.</a:t>
-            </a:r>
-            <a:r>
-              <a:rPr sz="1800" dirty="0">
-                <a:solidFill>
-                  <a:srgbClr val="CE9178"/>
-                </a:solidFill>
-                <a:latin typeface="Consolas"/>
-                <a:cs typeface="Consolas"/>
-                <a:hlinkClick r:id="rId2"/>
-              </a:rPr>
-              <a:t>a</a:t>
+              </a:rPr>
+              <a:t>r_272x92dp.png"</a:t>
             </a:r>
             <a:r>
               <a:rPr sz="1800" spc="-5" dirty="0">
                 <a:solidFill>
-                  <a:srgbClr val="CE9178"/>
-                </a:solidFill>
-                <a:latin typeface="Consolas"/>
-                <a:cs typeface="Consolas"/>
-                <a:hlinkClick r:id="rId2"/>
-              </a:rPr>
-              <a:t>u/</a:t>
-            </a:r>
-            <a:r>
-              <a:rPr sz="1800" dirty="0">
-                <a:solidFill>
-                  <a:srgbClr val="CE9178"/>
-                </a:solidFill>
-                <a:latin typeface="Consolas"/>
-                <a:cs typeface="Consolas"/>
-                <a:hlinkClick r:id="rId2"/>
-              </a:rPr>
-              <a:t>i</a:t>
-            </a:r>
-            <a:r>
-              <a:rPr sz="1800" spc="-5" dirty="0">
-                <a:solidFill>
-                  <a:srgbClr val="CE9178"/>
-                </a:solidFill>
-                <a:latin typeface="Consolas"/>
-                <a:cs typeface="Consolas"/>
-                <a:hlinkClick r:id="rId2"/>
-              </a:rPr>
-              <a:t>mag</a:t>
-            </a:r>
-            <a:r>
-              <a:rPr sz="1800" dirty="0">
-                <a:solidFill>
-                  <a:srgbClr val="CE9178"/>
-                </a:solidFill>
-                <a:latin typeface="Consolas"/>
-                <a:cs typeface="Consolas"/>
-                <a:hlinkClick r:id="rId2"/>
-              </a:rPr>
-              <a:t>e</a:t>
-            </a:r>
-            <a:r>
-              <a:rPr sz="1800" spc="-5" dirty="0">
-                <a:solidFill>
-                  <a:srgbClr val="CE9178"/>
-                </a:solidFill>
-                <a:latin typeface="Consolas"/>
-                <a:cs typeface="Consolas"/>
-                <a:hlinkClick r:id="rId2"/>
-              </a:rPr>
-              <a:t>s</a:t>
-            </a:r>
-            <a:r>
-              <a:rPr sz="1800" dirty="0">
-                <a:solidFill>
-                  <a:srgbClr val="CE9178"/>
-                </a:solidFill>
-                <a:latin typeface="Consolas"/>
-                <a:cs typeface="Consolas"/>
-                <a:hlinkClick r:id="rId2"/>
-              </a:rPr>
-              <a:t>/ </a:t>
-            </a:r>
-            <a:r>
-              <a:rPr sz="1800" dirty="0">
-                <a:solidFill>
-                  <a:srgbClr val="CE9178"/>
-                </a:solidFill>
-                <a:latin typeface="Consolas"/>
-                <a:cs typeface="Consolas"/>
-              </a:rPr>
-              <a:t> </a:t>
-            </a:r>
-            <a:r>
-              <a:rPr sz="1800" spc="-5" dirty="0">
-                <a:solidFill>
-                  <a:srgbClr val="CE9178"/>
-                </a:solidFill>
-                <a:latin typeface="Consolas"/>
-                <a:cs typeface="Consolas"/>
-              </a:rPr>
-              <a:t>bran</a:t>
-            </a:r>
-            <a:r>
-              <a:rPr sz="1800" dirty="0">
-                <a:solidFill>
-                  <a:srgbClr val="CE9178"/>
-                </a:solidFill>
-                <a:latin typeface="Consolas"/>
-                <a:cs typeface="Consolas"/>
-              </a:rPr>
-              <a:t>d</a:t>
-            </a:r>
-            <a:r>
-              <a:rPr sz="1800" spc="-5" dirty="0">
-                <a:solidFill>
-                  <a:srgbClr val="CE9178"/>
-                </a:solidFill>
-                <a:latin typeface="Consolas"/>
-                <a:cs typeface="Consolas"/>
-              </a:rPr>
-              <a:t>in</a:t>
-            </a:r>
-            <a:r>
-              <a:rPr sz="1800" dirty="0">
-                <a:solidFill>
-                  <a:srgbClr val="CE9178"/>
-                </a:solidFill>
-                <a:latin typeface="Consolas"/>
-                <a:cs typeface="Consolas"/>
-              </a:rPr>
-              <a:t>g</a:t>
-            </a:r>
-            <a:r>
-              <a:rPr sz="1800" spc="-5" dirty="0">
-                <a:solidFill>
-                  <a:srgbClr val="CE9178"/>
-                </a:solidFill>
-                <a:latin typeface="Consolas"/>
-                <a:cs typeface="Consolas"/>
-              </a:rPr>
-              <a:t>/go</a:t>
-            </a:r>
-            <a:r>
-              <a:rPr sz="1800" dirty="0">
-                <a:solidFill>
-                  <a:srgbClr val="CE9178"/>
-                </a:solidFill>
-                <a:latin typeface="Consolas"/>
-                <a:cs typeface="Consolas"/>
-              </a:rPr>
-              <a:t>o</a:t>
-            </a:r>
-            <a:r>
-              <a:rPr sz="1800" spc="-5" dirty="0">
-                <a:solidFill>
-                  <a:srgbClr val="CE9178"/>
-                </a:solidFill>
-                <a:latin typeface="Consolas"/>
-                <a:cs typeface="Consolas"/>
-              </a:rPr>
-              <a:t>glel</a:t>
-            </a:r>
-            <a:r>
-              <a:rPr sz="1800" dirty="0">
-                <a:solidFill>
-                  <a:srgbClr val="CE9178"/>
-                </a:solidFill>
-                <a:latin typeface="Consolas"/>
-                <a:cs typeface="Consolas"/>
-              </a:rPr>
-              <a:t>o</a:t>
-            </a:r>
-            <a:r>
-              <a:rPr sz="1800" spc="-5" dirty="0">
-                <a:solidFill>
-                  <a:srgbClr val="CE9178"/>
-                </a:solidFill>
-                <a:latin typeface="Consolas"/>
-                <a:cs typeface="Consolas"/>
-              </a:rPr>
-              <a:t>go</a:t>
-            </a:r>
-            <a:r>
-              <a:rPr sz="1800" dirty="0">
-                <a:solidFill>
-                  <a:srgbClr val="CE9178"/>
-                </a:solidFill>
-                <a:latin typeface="Consolas"/>
-                <a:cs typeface="Consolas"/>
-              </a:rPr>
-              <a:t>/</a:t>
-            </a:r>
-            <a:r>
-              <a:rPr sz="1800" spc="-5" dirty="0">
-                <a:solidFill>
-                  <a:srgbClr val="CE9178"/>
-                </a:solidFill>
-                <a:latin typeface="Consolas"/>
-                <a:cs typeface="Consolas"/>
-              </a:rPr>
-              <a:t>1x/</a:t>
-            </a:r>
-            <a:r>
-              <a:rPr sz="1800" dirty="0">
-                <a:solidFill>
-                  <a:srgbClr val="CE9178"/>
-                </a:solidFill>
-                <a:latin typeface="Consolas"/>
-                <a:cs typeface="Consolas"/>
-              </a:rPr>
-              <a:t>g</a:t>
-            </a:r>
-            <a:r>
-              <a:rPr sz="1800" spc="-5" dirty="0">
-                <a:solidFill>
-                  <a:srgbClr val="CE9178"/>
-                </a:solidFill>
-                <a:latin typeface="Consolas"/>
-                <a:cs typeface="Consolas"/>
-              </a:rPr>
-              <a:t>oogl</a:t>
-            </a:r>
-            <a:r>
-              <a:rPr sz="1800" dirty="0">
-                <a:solidFill>
-                  <a:srgbClr val="CE9178"/>
-                </a:solidFill>
-                <a:latin typeface="Consolas"/>
-                <a:cs typeface="Consolas"/>
-              </a:rPr>
-              <a:t>e</a:t>
-            </a:r>
-            <a:r>
-              <a:rPr sz="1800" spc="-5" dirty="0">
-                <a:solidFill>
-                  <a:srgbClr val="CE9178"/>
-                </a:solidFill>
-                <a:latin typeface="Consolas"/>
-                <a:cs typeface="Consolas"/>
-              </a:rPr>
-              <a:t>lo</a:t>
-            </a:r>
-            <a:r>
-              <a:rPr sz="1800" dirty="0">
-                <a:solidFill>
-                  <a:srgbClr val="CE9178"/>
-                </a:solidFill>
-                <a:latin typeface="Consolas"/>
-                <a:cs typeface="Consolas"/>
-              </a:rPr>
-              <a:t>g</a:t>
-            </a:r>
-            <a:r>
-              <a:rPr sz="1800" spc="-5" dirty="0">
-                <a:solidFill>
-                  <a:srgbClr val="CE9178"/>
-                </a:solidFill>
-                <a:latin typeface="Consolas"/>
-                <a:cs typeface="Consolas"/>
-              </a:rPr>
-              <a:t>o_c</a:t>
-            </a:r>
-            <a:r>
-              <a:rPr sz="1800" dirty="0">
-                <a:solidFill>
-                  <a:srgbClr val="CE9178"/>
-                </a:solidFill>
-                <a:latin typeface="Consolas"/>
-                <a:cs typeface="Consolas"/>
-              </a:rPr>
-              <a:t>o</a:t>
-            </a:r>
-            <a:r>
-              <a:rPr sz="1800" spc="-5" dirty="0">
-                <a:solidFill>
-                  <a:srgbClr val="CE9178"/>
-                </a:solidFill>
-                <a:latin typeface="Consolas"/>
-                <a:cs typeface="Consolas"/>
-              </a:rPr>
-              <a:t>l</a:t>
-            </a:r>
-            <a:r>
-              <a:rPr sz="1800" dirty="0">
-                <a:solidFill>
-                  <a:srgbClr val="CE9178"/>
-                </a:solidFill>
-                <a:latin typeface="Consolas"/>
-                <a:cs typeface="Consolas"/>
-              </a:rPr>
-              <a:t>o  </a:t>
-            </a:r>
-            <a:r>
-              <a:rPr sz="1800" spc="-5" dirty="0">
-                <a:solidFill>
-                  <a:srgbClr val="CE9178"/>
-                </a:solidFill>
-                <a:latin typeface="Consolas"/>
-                <a:cs typeface="Consolas"/>
-              </a:rPr>
-              <a:t>r_272x92dp.png"</a:t>
-            </a:r>
-            <a:r>
-              <a:rPr sz="1800" spc="-5" dirty="0">
-                <a:solidFill>
                   <a:srgbClr val="808080"/>
                 </a:solidFill>
                 <a:latin typeface="Consolas"/>
@@ -15214,7 +15180,7 @@
               </a:rPr>
               <a:t>/&gt;</a:t>
             </a:r>
-            <a:endParaRPr sz="1800">
+            <a:endParaRPr sz="1800" dirty="0">
               <a:latin typeface="Consolas"/>
               <a:cs typeface="Consolas"/>
             </a:endParaRPr>
@@ -15775,7 +15741,7 @@
             <p:nvPr/>
           </p:nvPicPr>
           <p:blipFill>
-            <a:blip r:embed="rId3" cstate="print"/>
+            <a:blip r:embed="rId2" cstate="print"/>
             <a:stretch>
               <a:fillRect/>
             </a:stretch>
@@ -19329,7 +19295,17 @@
                 <a:latin typeface="Consolas"/>
                 <a:cs typeface="Consolas"/>
               </a:rPr>
-              <a:t>//</a:t>
+              <a:t>//ww</a:t>
+            </a:r>
+            <a:r>
+              <a:rPr sz="1800" dirty="0">
+                <a:solidFill>
+                  <a:srgbClr val="CE9178"/>
+                </a:solidFill>
+                <a:latin typeface="Consolas"/>
+                <a:cs typeface="Consolas"/>
+              </a:rPr>
+              <a:t>w</a:t>
             </a:r>
             <a:r>
               <a:rPr sz="1800" spc="-5" dirty="0">
@@ -19338,9 +19314,8 @@
                 </a:solidFill>
                 <a:latin typeface="Consolas"/>
                 <a:cs typeface="Consolas"/>
-                <a:hlinkClick r:id="rId2"/>
-              </a:rPr>
-              <a:t>ww</a:t>
+              </a:rPr>
+              <a:t>.g</a:t>
             </a:r>
             <a:r>
               <a:rPr sz="1800" dirty="0">
@@ -19349,9 +19324,8 @@
                 </a:solidFill>
                 <a:latin typeface="Consolas"/>
                 <a:cs typeface="Consolas"/>
-                <a:hlinkClick r:id="rId2"/>
-              </a:rPr>
-              <a:t>w</a:t>
+              </a:rPr>
+              <a:t>o</a:t>
             </a:r>
             <a:r>
               <a:rPr sz="1800" spc="-5" dirty="0">
@@ -19360,9 +19334,8 @@
                 </a:solidFill>
                 <a:latin typeface="Consolas"/>
                 <a:cs typeface="Consolas"/>
-                <a:hlinkClick r:id="rId2"/>
-              </a:rPr>
-              <a:t>.g</a:t>
+              </a:rPr>
+              <a:t>ogl</a:t>
             </a:r>
             <a:r>
               <a:rPr sz="1800" dirty="0">
@@ -19371,9 +19344,8 @@
                 </a:solidFill>
                 <a:latin typeface="Consolas"/>
                 <a:cs typeface="Consolas"/>
-                <a:hlinkClick r:id="rId2"/>
-              </a:rPr>
-              <a:t>o</a:t>
+              </a:rPr>
+              <a:t>e</a:t>
             </a:r>
             <a:r>
               <a:rPr sz="1800" spc="-5" dirty="0">
@@ -19382,9 +19354,8 @@
                 </a:solidFill>
                 <a:latin typeface="Consolas"/>
                 <a:cs typeface="Consolas"/>
-                <a:hlinkClick r:id="rId2"/>
-              </a:rPr>
-              <a:t>ogl</a:t>
+              </a:rPr>
+              <a:t>.com</a:t>
             </a:r>
             <a:r>
               <a:rPr sz="1800" dirty="0">
@@ -19393,9 +19364,8 @@
                 </a:solidFill>
                 <a:latin typeface="Consolas"/>
                 <a:cs typeface="Consolas"/>
-                <a:hlinkClick r:id="rId2"/>
-              </a:rPr>
-              <a:t>e</a:t>
+              </a:rPr>
+              <a:t>.</a:t>
             </a:r>
             <a:r>
               <a:rPr sz="1800" spc="-5" dirty="0">
@@ -19404,133 +19374,110 @@
                 </a:solidFill>
                 <a:latin typeface="Consolas"/>
                 <a:cs typeface="Consolas"/>
-                <a:hlinkClick r:id="rId2"/>
-              </a:rPr>
-              <a:t>.com</a:t>
+              </a:rPr>
+              <a:t>au</a:t>
+            </a:r>
+            <a:r>
+              <a:rPr sz="1800" spc="10" dirty="0">
+                <a:solidFill>
+                  <a:srgbClr val="CE9178"/>
+                </a:solidFill>
+                <a:latin typeface="Consolas"/>
+                <a:cs typeface="Consolas"/>
+              </a:rPr>
+              <a:t>"</a:t>
+            </a:r>
+            <a:r>
+              <a:rPr sz="1800" spc="-10" dirty="0">
+                <a:solidFill>
+                  <a:srgbClr val="808080"/>
+                </a:solidFill>
+                <a:latin typeface="Consolas"/>
+                <a:cs typeface="Consolas"/>
+              </a:rPr>
+              <a:t>&gt;</a:t>
+            </a:r>
+            <a:r>
+              <a:rPr sz="1800" spc="-5" dirty="0">
+                <a:solidFill>
+                  <a:srgbClr val="D3D3D3"/>
+                </a:solidFill>
+                <a:latin typeface="Consolas"/>
+                <a:cs typeface="Consolas"/>
+              </a:rPr>
+              <a:t>Cl</a:t>
             </a:r>
             <a:r>
               <a:rPr sz="1800" dirty="0">
                 <a:solidFill>
-                  <a:srgbClr val="CE9178"/>
-                </a:solidFill>
-                <a:latin typeface="Consolas"/>
-                <a:cs typeface="Consolas"/>
-                <a:hlinkClick r:id="rId2"/>
-              </a:rPr>
-              <a:t>.</a:t>
+                  <a:srgbClr val="D3D3D3"/>
+                </a:solidFill>
+                <a:latin typeface="Consolas"/>
+                <a:cs typeface="Consolas"/>
+              </a:rPr>
+              <a:t>i</a:t>
             </a:r>
             <a:r>
               <a:rPr sz="1800" spc="-5" dirty="0">
                 <a:solidFill>
-                  <a:srgbClr val="CE9178"/>
-                </a:solidFill>
-                <a:latin typeface="Consolas"/>
-                <a:cs typeface="Consolas"/>
-                <a:hlinkClick r:id="rId2"/>
-              </a:rPr>
-              <a:t>au</a:t>
-            </a:r>
-            <a:r>
-              <a:rPr sz="1800" spc="10" dirty="0">
-                <a:solidFill>
-                  <a:srgbClr val="CE9178"/>
-                </a:solidFill>
-                <a:latin typeface="Consolas"/>
-                <a:cs typeface="Consolas"/>
-              </a:rPr>
-              <a:t>"</a:t>
+                  <a:srgbClr val="D3D3D3"/>
+                </a:solidFill>
+                <a:latin typeface="Consolas"/>
+                <a:cs typeface="Consolas"/>
+              </a:rPr>
+              <a:t>c</a:t>
+            </a:r>
+            <a:r>
+              <a:rPr sz="1800" dirty="0">
+                <a:solidFill>
+                  <a:srgbClr val="D3D3D3"/>
+                </a:solidFill>
+                <a:latin typeface="Consolas"/>
+                <a:cs typeface="Consolas"/>
+              </a:rPr>
+              <a:t>k  </a:t>
             </a:r>
             <a:r>
               <a:rPr sz="1800" spc="-10" dirty="0">
                 <a:solidFill>
+                  <a:srgbClr val="D3D3D3"/>
+                </a:solidFill>
+                <a:latin typeface="Consolas"/>
+                <a:cs typeface="Consolas"/>
+              </a:rPr>
+              <a:t>here!</a:t>
+            </a:r>
+            <a:r>
+              <a:rPr sz="1800" spc="-10" dirty="0">
+                <a:solidFill>
                   <a:srgbClr val="808080"/>
                 </a:solidFill>
                 <a:latin typeface="Consolas"/>
                 <a:cs typeface="Consolas"/>
               </a:rPr>
+              <a:t>&lt;/</a:t>
+            </a:r>
+            <a:r>
+              <a:rPr sz="1800" spc="-10" dirty="0">
+                <a:solidFill>
+                  <a:srgbClr val="559CD5"/>
+                </a:solidFill>
+                <a:latin typeface="Consolas"/>
+                <a:cs typeface="Consolas"/>
+              </a:rPr>
+              <a:t>a</a:t>
+            </a:r>
+            <a:r>
+              <a:rPr sz="1800" spc="-10" dirty="0">
+                <a:solidFill>
+                  <a:srgbClr val="808080"/>
+                </a:solidFill>
+                <a:latin typeface="Consolas"/>
+                <a:cs typeface="Consolas"/>
+              </a:rPr>
               <a:t>&gt;</a:t>
             </a:r>
-            <a:r>
-              <a:rPr sz="1800" spc="-5" dirty="0">
-                <a:solidFill>
-                  <a:srgbClr val="D3D3D3"/>
-                </a:solidFill>
-                <a:latin typeface="Consolas"/>
-                <a:cs typeface="Consolas"/>
-              </a:rPr>
-              <a:t>Cl</a:t>
-            </a:r>
-            <a:r>
-              <a:rPr sz="1800" dirty="0">
-                <a:solidFill>
-                  <a:srgbClr val="D3D3D3"/>
-                </a:solidFill>
-                <a:latin typeface="Consolas"/>
-                <a:cs typeface="Consolas"/>
-              </a:rPr>
-              <a:t>i</a:t>
-            </a:r>
-            <a:r>
-              <a:rPr sz="1800" spc="-5" dirty="0">
-                <a:solidFill>
-                  <a:srgbClr val="D3D3D3"/>
-                </a:solidFill>
-                <a:latin typeface="Consolas"/>
-                <a:cs typeface="Consolas"/>
-              </a:rPr>
-              <a:t>c</a:t>
-            </a:r>
-            <a:r>
-              <a:rPr sz="1800" dirty="0">
-                <a:solidFill>
-                  <a:srgbClr val="D3D3D3"/>
-                </a:solidFill>
-                <a:latin typeface="Consolas"/>
-                <a:cs typeface="Consolas"/>
-              </a:rPr>
-              <a:t>k  </a:t>
-            </a:r>
-            <a:r>
-              <a:rPr sz="1800" spc="-10" dirty="0">
-                <a:solidFill>
-                  <a:srgbClr val="D3D3D3"/>
-                </a:solidFill>
-                <a:latin typeface="Consolas"/>
-                <a:cs typeface="Consolas"/>
-              </a:rPr>
-              <a:t>here!</a:t>
-            </a:r>
-            <a:r>
-              <a:rPr sz="1800" spc="-10" dirty="0">
-                <a:solidFill>
-                  <a:srgbClr val="808080"/>
-                </a:solidFill>
-                <a:latin typeface="Consolas"/>
-                <a:cs typeface="Consolas"/>
-              </a:rPr>
-              <a:t>&lt;/</a:t>
-            </a:r>
-            <a:r>
-              <a:rPr sz="1800" spc="-10" dirty="0">
-                <a:solidFill>
-                  <a:srgbClr val="559CD5"/>
-                </a:solidFill>
-                <a:latin typeface="Consolas"/>
-                <a:cs typeface="Consolas"/>
-              </a:rPr>
-              <a:t>a</a:t>
-            </a:r>
-            <a:r>
-              <a:rPr sz="1800" spc="-10" dirty="0">
-                <a:solidFill>
-                  <a:srgbClr val="808080"/>
-                </a:solidFill>
-                <a:latin typeface="Consolas"/>
-                <a:cs typeface="Consolas"/>
-              </a:rPr>
-              <a:t>&gt;</a:t>
-            </a:r>
-            <a:endParaRPr sz="1800">
+            <a:endParaRPr sz="1800" dirty="0">
               <a:latin typeface="Consolas"/>
               <a:cs typeface="Consolas"/>
             </a:endParaRPr>
@@ -20091,7 +20038,7 @@
             <p:nvPr/>
           </p:nvPicPr>
           <p:blipFill>
-            <a:blip r:embed="rId3" cstate="print"/>
+            <a:blip r:embed="rId2" cstate="print"/>
             <a:stretch>
               <a:fillRect/>
             </a:stretch>
